--- a/Revisions_Statique/Fiche_01_Statique_2D_TD_03_Hoeken/images/Figures.pptx
+++ b/Revisions_Statique/Fiche_01_Statique_2D_TD_03_Hoeken/images/Figures.pptx
@@ -312,7 +312,7 @@
           <a:p>
             <a:fld id="{AA309A6D-C09C-4548-B29A-6CF363A7E532}" type="datetimeFigureOut">
               <a:rPr lang="fr-FR" smtClean="0"/>
-              <a:t>20/04/2020</a:t>
+              <a:t>25/04/2020</a:t>
             </a:fld>
             <a:endParaRPr lang="fr-BE"/>
           </a:p>
@@ -477,7 +477,7 @@
           <a:p>
             <a:fld id="{AA309A6D-C09C-4548-B29A-6CF363A7E532}" type="datetimeFigureOut">
               <a:rPr lang="fr-FR" smtClean="0"/>
-              <a:t>20/04/2020</a:t>
+              <a:t>25/04/2020</a:t>
             </a:fld>
             <a:endParaRPr lang="fr-BE"/>
           </a:p>
@@ -652,7 +652,7 @@
           <a:p>
             <a:fld id="{AA309A6D-C09C-4548-B29A-6CF363A7E532}" type="datetimeFigureOut">
               <a:rPr lang="fr-FR" smtClean="0"/>
-              <a:t>20/04/2020</a:t>
+              <a:t>25/04/2020</a:t>
             </a:fld>
             <a:endParaRPr lang="fr-BE"/>
           </a:p>
@@ -817,7 +817,7 @@
           <a:p>
             <a:fld id="{AA309A6D-C09C-4548-B29A-6CF363A7E532}" type="datetimeFigureOut">
               <a:rPr lang="fr-FR" smtClean="0"/>
-              <a:t>20/04/2020</a:t>
+              <a:t>25/04/2020</a:t>
             </a:fld>
             <a:endParaRPr lang="fr-BE"/>
           </a:p>
@@ -1058,7 +1058,7 @@
           <a:p>
             <a:fld id="{AA309A6D-C09C-4548-B29A-6CF363A7E532}" type="datetimeFigureOut">
               <a:rPr lang="fr-FR" smtClean="0"/>
-              <a:t>20/04/2020</a:t>
+              <a:t>25/04/2020</a:t>
             </a:fld>
             <a:endParaRPr lang="fr-BE"/>
           </a:p>
@@ -1341,7 +1341,7 @@
           <a:p>
             <a:fld id="{AA309A6D-C09C-4548-B29A-6CF363A7E532}" type="datetimeFigureOut">
               <a:rPr lang="fr-FR" smtClean="0"/>
-              <a:t>20/04/2020</a:t>
+              <a:t>25/04/2020</a:t>
             </a:fld>
             <a:endParaRPr lang="fr-BE"/>
           </a:p>
@@ -1758,7 +1758,7 @@
           <a:p>
             <a:fld id="{AA309A6D-C09C-4548-B29A-6CF363A7E532}" type="datetimeFigureOut">
               <a:rPr lang="fr-FR" smtClean="0"/>
-              <a:t>20/04/2020</a:t>
+              <a:t>25/04/2020</a:t>
             </a:fld>
             <a:endParaRPr lang="fr-BE"/>
           </a:p>
@@ -1871,7 +1871,7 @@
           <a:p>
             <a:fld id="{AA309A6D-C09C-4548-B29A-6CF363A7E532}" type="datetimeFigureOut">
               <a:rPr lang="fr-FR" smtClean="0"/>
-              <a:t>20/04/2020</a:t>
+              <a:t>25/04/2020</a:t>
             </a:fld>
             <a:endParaRPr lang="fr-BE"/>
           </a:p>
@@ -1961,7 +1961,7 @@
           <a:p>
             <a:fld id="{AA309A6D-C09C-4548-B29A-6CF363A7E532}" type="datetimeFigureOut">
               <a:rPr lang="fr-FR" smtClean="0"/>
-              <a:t>20/04/2020</a:t>
+              <a:t>25/04/2020</a:t>
             </a:fld>
             <a:endParaRPr lang="fr-BE"/>
           </a:p>
@@ -2233,7 +2233,7 @@
           <a:p>
             <a:fld id="{AA309A6D-C09C-4548-B29A-6CF363A7E532}" type="datetimeFigureOut">
               <a:rPr lang="fr-FR" smtClean="0"/>
-              <a:t>20/04/2020</a:t>
+              <a:t>25/04/2020</a:t>
             </a:fld>
             <a:endParaRPr lang="fr-BE"/>
           </a:p>
@@ -2481,7 +2481,7 @@
           <a:p>
             <a:fld id="{AA309A6D-C09C-4548-B29A-6CF363A7E532}" type="datetimeFigureOut">
               <a:rPr lang="fr-FR" smtClean="0"/>
-              <a:t>20/04/2020</a:t>
+              <a:t>25/04/2020</a:t>
             </a:fld>
             <a:endParaRPr lang="fr-BE"/>
           </a:p>
@@ -2689,7 +2689,7 @@
           <a:p>
             <a:fld id="{AA309A6D-C09C-4548-B29A-6CF363A7E532}" type="datetimeFigureOut">
               <a:rPr lang="fr-FR" smtClean="0"/>
-              <a:t>20/04/2020</a:t>
+              <a:t>25/04/2020</a:t>
             </a:fld>
             <a:endParaRPr lang="fr-BE"/>
           </a:p>
@@ -3753,8 +3753,8 @@
           </p:sp>
         </p:grpSp>
       </p:grpSp>
-      <mc:AlternateContent xmlns:mc="http://schemas.openxmlformats.org/markup-compatibility/2006">
-        <mc:Choice xmlns:a14="http://schemas.microsoft.com/office/drawing/2010/main" Requires="a14">
+      <mc:AlternateContent xmlns:mc="http://schemas.openxmlformats.org/markup-compatibility/2006" xmlns:a14="http://schemas.microsoft.com/office/drawing/2010/main">
+        <mc:Choice Requires="a14">
           <p:sp>
             <p:nvSpPr>
               <p:cNvPr id="58" name="ZoneTexte 57"/>
@@ -3829,7 +3829,7 @@
             </p:txBody>
           </p:sp>
         </mc:Choice>
-        <mc:Fallback>
+        <mc:Fallback xmlns="">
           <p:sp>
             <p:nvSpPr>
               <p:cNvPr id="58" name="ZoneTexte 57"/>
@@ -3868,8 +3868,8 @@
           </p:sp>
         </mc:Fallback>
       </mc:AlternateContent>
-      <mc:AlternateContent xmlns:mc="http://schemas.openxmlformats.org/markup-compatibility/2006">
-        <mc:Choice xmlns:a14="http://schemas.microsoft.com/office/drawing/2010/main" Requires="a14">
+      <mc:AlternateContent xmlns:mc="http://schemas.openxmlformats.org/markup-compatibility/2006" xmlns:a14="http://schemas.microsoft.com/office/drawing/2010/main">
+        <mc:Choice Requires="a14">
           <p:sp>
             <p:nvSpPr>
               <p:cNvPr id="60" name="ZoneTexte 59"/>
@@ -3944,7 +3944,7 @@
             </p:txBody>
           </p:sp>
         </mc:Choice>
-        <mc:Fallback>
+        <mc:Fallback xmlns="">
           <p:sp>
             <p:nvSpPr>
               <p:cNvPr id="60" name="ZoneTexte 59"/>
@@ -3983,8 +3983,8 @@
           </p:sp>
         </mc:Fallback>
       </mc:AlternateContent>
-      <mc:AlternateContent xmlns:mc="http://schemas.openxmlformats.org/markup-compatibility/2006">
-        <mc:Choice xmlns:a14="http://schemas.microsoft.com/office/drawing/2010/main" Requires="a14">
+      <mc:AlternateContent xmlns:mc="http://schemas.openxmlformats.org/markup-compatibility/2006" xmlns:a14="http://schemas.microsoft.com/office/drawing/2010/main">
+        <mc:Choice Requires="a14">
           <p:sp>
             <p:nvSpPr>
               <p:cNvPr id="61" name="ZoneTexte 60"/>
@@ -4102,7 +4102,7 @@
             </p:txBody>
           </p:sp>
         </mc:Choice>
-        <mc:Fallback>
+        <mc:Fallback xmlns="">
           <p:sp>
             <p:nvSpPr>
               <p:cNvPr id="61" name="ZoneTexte 60"/>
@@ -4141,8 +4141,8 @@
           </p:sp>
         </mc:Fallback>
       </mc:AlternateContent>
-      <mc:AlternateContent xmlns:mc="http://schemas.openxmlformats.org/markup-compatibility/2006">
-        <mc:Choice xmlns:a14="http://schemas.microsoft.com/office/drawing/2010/main" Requires="a14">
+      <mc:AlternateContent xmlns:mc="http://schemas.openxmlformats.org/markup-compatibility/2006" xmlns:a14="http://schemas.microsoft.com/office/drawing/2010/main">
+        <mc:Choice Requires="a14">
           <p:sp>
             <p:nvSpPr>
               <p:cNvPr id="62" name="ZoneTexte 61"/>
@@ -4217,7 +4217,7 @@
             </p:txBody>
           </p:sp>
         </mc:Choice>
-        <mc:Fallback>
+        <mc:Fallback xmlns="">
           <p:sp>
             <p:nvSpPr>
               <p:cNvPr id="62" name="ZoneTexte 61"/>
@@ -4256,8 +4256,8 @@
           </p:sp>
         </mc:Fallback>
       </mc:AlternateContent>
-      <mc:AlternateContent xmlns:mc="http://schemas.openxmlformats.org/markup-compatibility/2006">
-        <mc:Choice xmlns:a14="http://schemas.microsoft.com/office/drawing/2010/main" Requires="a14">
+      <mc:AlternateContent xmlns:mc="http://schemas.openxmlformats.org/markup-compatibility/2006" xmlns:a14="http://schemas.microsoft.com/office/drawing/2010/main">
+        <mc:Choice Requires="a14">
           <p:sp>
             <p:nvSpPr>
               <p:cNvPr id="63" name="ZoneTexte 62"/>
@@ -4332,7 +4332,7 @@
             </p:txBody>
           </p:sp>
         </mc:Choice>
-        <mc:Fallback>
+        <mc:Fallback xmlns="">
           <p:sp>
             <p:nvSpPr>
               <p:cNvPr id="63" name="ZoneTexte 62"/>
@@ -4371,8 +4371,8 @@
           </p:sp>
         </mc:Fallback>
       </mc:AlternateContent>
-      <mc:AlternateContent xmlns:mc="http://schemas.openxmlformats.org/markup-compatibility/2006">
-        <mc:Choice xmlns:a14="http://schemas.microsoft.com/office/drawing/2010/main" Requires="a14">
+      <mc:AlternateContent xmlns:mc="http://schemas.openxmlformats.org/markup-compatibility/2006" xmlns:a14="http://schemas.microsoft.com/office/drawing/2010/main">
+        <mc:Choice Requires="a14">
           <p:sp>
             <p:nvSpPr>
               <p:cNvPr id="64" name="ZoneTexte 63"/>
@@ -4447,7 +4447,7 @@
             </p:txBody>
           </p:sp>
         </mc:Choice>
-        <mc:Fallback>
+        <mc:Fallback xmlns="">
           <p:sp>
             <p:nvSpPr>
               <p:cNvPr id="64" name="ZoneTexte 63"/>
@@ -4486,8 +4486,8 @@
           </p:sp>
         </mc:Fallback>
       </mc:AlternateContent>
-      <mc:AlternateContent xmlns:mc="http://schemas.openxmlformats.org/markup-compatibility/2006">
-        <mc:Choice xmlns:a14="http://schemas.microsoft.com/office/drawing/2010/main" Requires="a14">
+      <mc:AlternateContent xmlns:mc="http://schemas.openxmlformats.org/markup-compatibility/2006" xmlns:a14="http://schemas.microsoft.com/office/drawing/2010/main">
+        <mc:Choice Requires="a14">
           <p:sp>
             <p:nvSpPr>
               <p:cNvPr id="65" name="ZoneTexte 64"/>
@@ -4562,7 +4562,7 @@
             </p:txBody>
           </p:sp>
         </mc:Choice>
-        <mc:Fallback>
+        <mc:Fallback xmlns="">
           <p:sp>
             <p:nvSpPr>
               <p:cNvPr id="65" name="ZoneTexte 64"/>
@@ -4601,8 +4601,8 @@
           </p:sp>
         </mc:Fallback>
       </mc:AlternateContent>
-      <mc:AlternateContent xmlns:mc="http://schemas.openxmlformats.org/markup-compatibility/2006">
-        <mc:Choice xmlns:a14="http://schemas.microsoft.com/office/drawing/2010/main" Requires="a14">
+      <mc:AlternateContent xmlns:mc="http://schemas.openxmlformats.org/markup-compatibility/2006" xmlns:a14="http://schemas.microsoft.com/office/drawing/2010/main">
+        <mc:Choice Requires="a14">
           <p:sp>
             <p:nvSpPr>
               <p:cNvPr id="66" name="ZoneTexte 65"/>
@@ -4677,7 +4677,7 @@
             </p:txBody>
           </p:sp>
         </mc:Choice>
-        <mc:Fallback>
+        <mc:Fallback xmlns="">
           <p:sp>
             <p:nvSpPr>
               <p:cNvPr id="66" name="ZoneTexte 65"/>
@@ -4831,8 +4831,8 @@
           </p:sp>
         </mc:Fallback>
       </mc:AlternateContent>
-      <mc:AlternateContent xmlns:mc="http://schemas.openxmlformats.org/markup-compatibility/2006">
-        <mc:Choice xmlns:a14="http://schemas.microsoft.com/office/drawing/2010/main" Requires="a14">
+      <mc:AlternateContent xmlns:mc="http://schemas.openxmlformats.org/markup-compatibility/2006" xmlns:a14="http://schemas.microsoft.com/office/drawing/2010/main">
+        <mc:Choice Requires="a14">
           <p:sp>
             <p:nvSpPr>
               <p:cNvPr id="70" name="ZoneTexte 69"/>
@@ -4907,7 +4907,7 @@
             </p:txBody>
           </p:sp>
         </mc:Choice>
-        <mc:Fallback>
+        <mc:Fallback xmlns="">
           <p:sp>
             <p:nvSpPr>
               <p:cNvPr id="70" name="ZoneTexte 69"/>
@@ -4946,8 +4946,8 @@
           </p:sp>
         </mc:Fallback>
       </mc:AlternateContent>
-      <mc:AlternateContent xmlns:mc="http://schemas.openxmlformats.org/markup-compatibility/2006">
-        <mc:Choice xmlns:a14="http://schemas.microsoft.com/office/drawing/2010/main" Requires="a14">
+      <mc:AlternateContent xmlns:mc="http://schemas.openxmlformats.org/markup-compatibility/2006" xmlns:a14="http://schemas.microsoft.com/office/drawing/2010/main">
+        <mc:Choice Requires="a14">
           <p:sp>
             <p:nvSpPr>
               <p:cNvPr id="71" name="ZoneTexte 70"/>
@@ -5010,7 +5010,7 @@
             </p:txBody>
           </p:sp>
         </mc:Choice>
-        <mc:Fallback>
+        <mc:Fallback xmlns="">
           <p:sp>
             <p:nvSpPr>
               <p:cNvPr id="71" name="ZoneTexte 70"/>
@@ -5049,8 +5049,8 @@
           </p:sp>
         </mc:Fallback>
       </mc:AlternateContent>
-      <mc:AlternateContent xmlns:mc="http://schemas.openxmlformats.org/markup-compatibility/2006">
-        <mc:Choice xmlns:a14="http://schemas.microsoft.com/office/drawing/2010/main" Requires="a14">
+      <mc:AlternateContent xmlns:mc="http://schemas.openxmlformats.org/markup-compatibility/2006" xmlns:a14="http://schemas.microsoft.com/office/drawing/2010/main">
+        <mc:Choice Requires="a14">
           <p:sp>
             <p:nvSpPr>
               <p:cNvPr id="72" name="ZoneTexte 71"/>
@@ -5113,7 +5113,7 @@
             </p:txBody>
           </p:sp>
         </mc:Choice>
-        <mc:Fallback>
+        <mc:Fallback xmlns="">
           <p:sp>
             <p:nvSpPr>
               <p:cNvPr id="72" name="ZoneTexte 71"/>
@@ -5180,7 +5180,7 @@
         </p:blipFill>
         <p:spPr>
           <a:xfrm>
-            <a:off x="5292082" y="1014605"/>
+            <a:off x="4263688" y="705208"/>
             <a:ext cx="2221997" cy="1932436"/>
           </a:xfrm>
           <a:prstGeom prst="rect">
@@ -5607,8 +5607,8 @@
           </p:sp>
         </p:grpSp>
       </p:grpSp>
-      <mc:AlternateContent xmlns:mc="http://schemas.openxmlformats.org/markup-compatibility/2006">
-        <mc:Choice xmlns:a14="http://schemas.microsoft.com/office/drawing/2010/main" Requires="a14">
+      <mc:AlternateContent xmlns:mc="http://schemas.openxmlformats.org/markup-compatibility/2006" xmlns:a14="http://schemas.microsoft.com/office/drawing/2010/main">
+        <mc:Choice Requires="a14">
           <p:sp>
             <p:nvSpPr>
               <p:cNvPr id="109" name="ZoneTexte 108">
@@ -5689,7 +5689,7 @@
             </p:txBody>
           </p:sp>
         </mc:Choice>
-        <mc:Fallback>
+        <mc:Fallback xmlns="">
           <p:sp>
             <p:nvSpPr>
               <p:cNvPr id="109" name="ZoneTexte 108">
@@ -5734,8 +5734,8 @@
           </p:sp>
         </mc:Fallback>
       </mc:AlternateContent>
-      <mc:AlternateContent xmlns:mc="http://schemas.openxmlformats.org/markup-compatibility/2006">
-        <mc:Choice xmlns:a14="http://schemas.microsoft.com/office/drawing/2010/main" Requires="a14">
+      <mc:AlternateContent xmlns:mc="http://schemas.openxmlformats.org/markup-compatibility/2006" xmlns:a14="http://schemas.microsoft.com/office/drawing/2010/main">
+        <mc:Choice Requires="a14">
           <p:sp>
             <p:nvSpPr>
               <p:cNvPr id="110" name="ZoneTexte 109">
@@ -5816,7 +5816,7 @@
             </p:txBody>
           </p:sp>
         </mc:Choice>
-        <mc:Fallback>
+        <mc:Fallback xmlns="">
           <p:sp>
             <p:nvSpPr>
               <p:cNvPr id="110" name="ZoneTexte 109">
@@ -5861,8 +5861,8 @@
           </p:sp>
         </mc:Fallback>
       </mc:AlternateContent>
-      <mc:AlternateContent xmlns:mc="http://schemas.openxmlformats.org/markup-compatibility/2006">
-        <mc:Choice xmlns:a14="http://schemas.microsoft.com/office/drawing/2010/main" Requires="a14">
+      <mc:AlternateContent xmlns:mc="http://schemas.openxmlformats.org/markup-compatibility/2006" xmlns:a14="http://schemas.microsoft.com/office/drawing/2010/main">
+        <mc:Choice Requires="a14">
           <p:sp>
             <p:nvSpPr>
               <p:cNvPr id="112" name="ZoneTexte 111">
@@ -5943,7 +5943,7 @@
             </p:txBody>
           </p:sp>
         </mc:Choice>
-        <mc:Fallback>
+        <mc:Fallback xmlns="">
           <p:sp>
             <p:nvSpPr>
               <p:cNvPr id="112" name="ZoneTexte 111">
@@ -5988,8 +5988,8 @@
           </p:sp>
         </mc:Fallback>
       </mc:AlternateContent>
-      <mc:AlternateContent xmlns:mc="http://schemas.openxmlformats.org/markup-compatibility/2006">
-        <mc:Choice xmlns:a14="http://schemas.microsoft.com/office/drawing/2010/main" Requires="a14">
+      <mc:AlternateContent xmlns:mc="http://schemas.openxmlformats.org/markup-compatibility/2006" xmlns:a14="http://schemas.microsoft.com/office/drawing/2010/main">
+        <mc:Choice Requires="a14">
           <p:sp>
             <p:nvSpPr>
               <p:cNvPr id="113" name="ZoneTexte 112">
@@ -6070,7 +6070,7 @@
             </p:txBody>
           </p:sp>
         </mc:Choice>
-        <mc:Fallback>
+        <mc:Fallback xmlns="">
           <p:sp>
             <p:nvSpPr>
               <p:cNvPr id="113" name="ZoneTexte 112">
@@ -6115,8 +6115,8 @@
           </p:sp>
         </mc:Fallback>
       </mc:AlternateContent>
-      <mc:AlternateContent xmlns:mc="http://schemas.openxmlformats.org/markup-compatibility/2006">
-        <mc:Choice xmlns:a14="http://schemas.microsoft.com/office/drawing/2010/main" Requires="a14">
+      <mc:AlternateContent xmlns:mc="http://schemas.openxmlformats.org/markup-compatibility/2006" xmlns:a14="http://schemas.microsoft.com/office/drawing/2010/main">
+        <mc:Choice Requires="a14">
           <p:sp>
             <p:nvSpPr>
               <p:cNvPr id="114" name="ZoneTexte 113">
@@ -6197,7 +6197,7 @@
             </p:txBody>
           </p:sp>
         </mc:Choice>
-        <mc:Fallback>
+        <mc:Fallback xmlns="">
           <p:sp>
             <p:nvSpPr>
               <p:cNvPr id="114" name="ZoneTexte 113">
@@ -6242,8 +6242,8 @@
           </p:sp>
         </mc:Fallback>
       </mc:AlternateContent>
-      <mc:AlternateContent xmlns:mc="http://schemas.openxmlformats.org/markup-compatibility/2006">
-        <mc:Choice xmlns:a14="http://schemas.microsoft.com/office/drawing/2010/main" Requires="a14">
+      <mc:AlternateContent xmlns:mc="http://schemas.openxmlformats.org/markup-compatibility/2006" xmlns:a14="http://schemas.microsoft.com/office/drawing/2010/main">
+        <mc:Choice Requires="a14">
           <p:sp>
             <p:nvSpPr>
               <p:cNvPr id="119" name="ZoneTexte 118">
@@ -6312,7 +6312,7 @@
             </p:txBody>
           </p:sp>
         </mc:Choice>
-        <mc:Fallback>
+        <mc:Fallback xmlns="">
           <p:sp>
             <p:nvSpPr>
               <p:cNvPr id="119" name="ZoneTexte 118">
@@ -6339,6 +6339,1229 @@
                 <a:blip r:embed="rId21"/>
                 <a:stretch>
                   <a:fillRect/>
+                </a:stretch>
+              </a:blipFill>
+            </p:spPr>
+            <p:txBody>
+              <a:bodyPr/>
+              <a:lstStyle/>
+              <a:p>
+                <a:r>
+                  <a:rPr lang="fr-FR">
+                    <a:noFill/>
+                  </a:rPr>
+                  <a:t> </a:t>
+                </a:r>
+              </a:p>
+            </p:txBody>
+          </p:sp>
+        </mc:Fallback>
+      </mc:AlternateContent>
+      <p:grpSp>
+        <p:nvGrpSpPr>
+          <p:cNvPr id="39" name="Groupe 38">
+            <a:extLst>
+              <a:ext uri="{FF2B5EF4-FFF2-40B4-BE49-F238E27FC236}">
+                <a16:creationId xmlns:a16="http://schemas.microsoft.com/office/drawing/2014/main" id="{DCA103B4-C98A-4C0B-BCA5-C52A3131F2AA}"/>
+              </a:ext>
+            </a:extLst>
+          </p:cNvPr>
+          <p:cNvGrpSpPr/>
+          <p:nvPr/>
+        </p:nvGrpSpPr>
+        <p:grpSpPr>
+          <a:xfrm>
+            <a:off x="2969856" y="4069769"/>
+            <a:ext cx="360113" cy="446654"/>
+            <a:chOff x="2195736" y="3530682"/>
+            <a:chExt cx="360113" cy="446654"/>
+          </a:xfrm>
+        </p:grpSpPr>
+        <p:sp>
+          <p:nvSpPr>
+            <p:cNvPr id="35" name="Forme libre : forme 34">
+              <a:extLst>
+                <a:ext uri="{FF2B5EF4-FFF2-40B4-BE49-F238E27FC236}">
+                  <a16:creationId xmlns:a16="http://schemas.microsoft.com/office/drawing/2014/main" id="{93DDC10C-4FC4-40C3-BF4C-822A763A2789}"/>
+                </a:ext>
+              </a:extLst>
+            </p:cNvPr>
+            <p:cNvSpPr/>
+            <p:nvPr/>
+          </p:nvSpPr>
+          <p:spPr>
+            <a:xfrm>
+              <a:off x="2203493" y="3854450"/>
+              <a:ext cx="342857" cy="122886"/>
+            </a:xfrm>
+            <a:custGeom>
+              <a:avLst/>
+              <a:gdLst>
+                <a:gd name="connsiteX0" fmla="*/ 0 w 323850"/>
+                <a:gd name="connsiteY0" fmla="*/ 21456 h 175402"/>
+                <a:gd name="connsiteX1" fmla="*/ 57150 w 323850"/>
+                <a:gd name="connsiteY1" fmla="*/ 173856 h 175402"/>
+                <a:gd name="connsiteX2" fmla="*/ 152400 w 323850"/>
+                <a:gd name="connsiteY2" fmla="*/ 104006 h 175402"/>
+                <a:gd name="connsiteX3" fmla="*/ 228600 w 323850"/>
+                <a:gd name="connsiteY3" fmla="*/ 167506 h 175402"/>
+                <a:gd name="connsiteX4" fmla="*/ 323850 w 323850"/>
+                <a:gd name="connsiteY4" fmla="*/ 8756 h 175402"/>
+                <a:gd name="connsiteX0" fmla="*/ 0 w 323850"/>
+                <a:gd name="connsiteY0" fmla="*/ 12700 h 167237"/>
+                <a:gd name="connsiteX1" fmla="*/ 57150 w 323850"/>
+                <a:gd name="connsiteY1" fmla="*/ 165100 h 167237"/>
+                <a:gd name="connsiteX2" fmla="*/ 152400 w 323850"/>
+                <a:gd name="connsiteY2" fmla="*/ 95250 h 167237"/>
+                <a:gd name="connsiteX3" fmla="*/ 323850 w 323850"/>
+                <a:gd name="connsiteY3" fmla="*/ 0 h 167237"/>
+                <a:gd name="connsiteX0" fmla="*/ 0 w 323850"/>
+                <a:gd name="connsiteY0" fmla="*/ 12700 h 167237"/>
+                <a:gd name="connsiteX1" fmla="*/ 57150 w 323850"/>
+                <a:gd name="connsiteY1" fmla="*/ 165100 h 167237"/>
+                <a:gd name="connsiteX2" fmla="*/ 152400 w 323850"/>
+                <a:gd name="connsiteY2" fmla="*/ 95250 h 167237"/>
+                <a:gd name="connsiteX3" fmla="*/ 323850 w 323850"/>
+                <a:gd name="connsiteY3" fmla="*/ 0 h 167237"/>
+                <a:gd name="connsiteX0" fmla="*/ 0 w 323850"/>
+                <a:gd name="connsiteY0" fmla="*/ 12700 h 95298"/>
+                <a:gd name="connsiteX1" fmla="*/ 152400 w 323850"/>
+                <a:gd name="connsiteY1" fmla="*/ 95250 h 95298"/>
+                <a:gd name="connsiteX2" fmla="*/ 323850 w 323850"/>
+                <a:gd name="connsiteY2" fmla="*/ 0 h 95298"/>
+                <a:gd name="connsiteX0" fmla="*/ 0 w 323850"/>
+                <a:gd name="connsiteY0" fmla="*/ 12700 h 107080"/>
+                <a:gd name="connsiteX1" fmla="*/ 152400 w 323850"/>
+                <a:gd name="connsiteY1" fmla="*/ 95250 h 107080"/>
+                <a:gd name="connsiteX2" fmla="*/ 323850 w 323850"/>
+                <a:gd name="connsiteY2" fmla="*/ 0 h 107080"/>
+                <a:gd name="connsiteX0" fmla="*/ 0 w 323850"/>
+                <a:gd name="connsiteY0" fmla="*/ 12700 h 107994"/>
+                <a:gd name="connsiteX1" fmla="*/ 152400 w 323850"/>
+                <a:gd name="connsiteY1" fmla="*/ 95250 h 107994"/>
+                <a:gd name="connsiteX2" fmla="*/ 323850 w 323850"/>
+                <a:gd name="connsiteY2" fmla="*/ 0 h 107994"/>
+                <a:gd name="connsiteX0" fmla="*/ 0 w 323850"/>
+                <a:gd name="connsiteY0" fmla="*/ 12700 h 109419"/>
+                <a:gd name="connsiteX1" fmla="*/ 172929 w 323850"/>
+                <a:gd name="connsiteY1" fmla="*/ 98391 h 109419"/>
+                <a:gd name="connsiteX2" fmla="*/ 323850 w 323850"/>
+                <a:gd name="connsiteY2" fmla="*/ 0 h 109419"/>
+                <a:gd name="connsiteX0" fmla="*/ 0 w 323850"/>
+                <a:gd name="connsiteY0" fmla="*/ 12700 h 121097"/>
+                <a:gd name="connsiteX1" fmla="*/ 172929 w 323850"/>
+                <a:gd name="connsiteY1" fmla="*/ 98391 h 121097"/>
+                <a:gd name="connsiteX2" fmla="*/ 323850 w 323850"/>
+                <a:gd name="connsiteY2" fmla="*/ 0 h 121097"/>
+                <a:gd name="connsiteX0" fmla="*/ 0 w 315052"/>
+                <a:gd name="connsiteY0" fmla="*/ 3276 h 119383"/>
+                <a:gd name="connsiteX1" fmla="*/ 164131 w 315052"/>
+                <a:gd name="connsiteY1" fmla="*/ 98391 h 119383"/>
+                <a:gd name="connsiteX2" fmla="*/ 315052 w 315052"/>
+                <a:gd name="connsiteY2" fmla="*/ 0 h 119383"/>
+                <a:gd name="connsiteX0" fmla="*/ 1633 w 316685"/>
+                <a:gd name="connsiteY0" fmla="*/ 3276 h 121583"/>
+                <a:gd name="connsiteX1" fmla="*/ 165764 w 316685"/>
+                <a:gd name="connsiteY1" fmla="*/ 98391 h 121583"/>
+                <a:gd name="connsiteX2" fmla="*/ 316685 w 316685"/>
+                <a:gd name="connsiteY2" fmla="*/ 0 h 121583"/>
+              </a:gdLst>
+              <a:ahLst/>
+              <a:cxnLst>
+                <a:cxn ang="0">
+                  <a:pos x="connsiteX0" y="connsiteY0"/>
+                </a:cxn>
+                <a:cxn ang="0">
+                  <a:pos x="connsiteX1" y="connsiteY1"/>
+                </a:cxn>
+                <a:cxn ang="0">
+                  <a:pos x="connsiteX2" y="connsiteY2"/>
+                </a:cxn>
+              </a:cxnLst>
+              <a:rect l="l" t="t" r="r" b="b"/>
+              <a:pathLst>
+                <a:path w="316685" h="121583">
+                  <a:moveTo>
+                    <a:pt x="1633" y="3276"/>
+                  </a:moveTo>
+                  <a:cubicBezTo>
+                    <a:pt x="-15963" y="191386"/>
+                    <a:pt x="113255" y="98937"/>
+                    <a:pt x="165764" y="98391"/>
+                  </a:cubicBezTo>
+                  <a:cubicBezTo>
+                    <a:pt x="218273" y="97845"/>
+                    <a:pt x="315164" y="187614"/>
+                    <a:pt x="316685" y="0"/>
+                  </a:cubicBezTo>
+                </a:path>
+              </a:pathLst>
+            </a:custGeom>
+            <a:solidFill>
+              <a:schemeClr val="accent2">
+                <a:lumMod val="40000"/>
+                <a:lumOff val="60000"/>
+              </a:schemeClr>
+            </a:solidFill>
+            <a:ln w="19050">
+              <a:solidFill>
+                <a:srgbClr val="C00000"/>
+              </a:solidFill>
+            </a:ln>
+          </p:spPr>
+          <p:style>
+            <a:lnRef idx="2">
+              <a:schemeClr val="accent1">
+                <a:shade val="50000"/>
+              </a:schemeClr>
+            </a:lnRef>
+            <a:fillRef idx="1">
+              <a:schemeClr val="accent1"/>
+            </a:fillRef>
+            <a:effectRef idx="0">
+              <a:schemeClr val="accent1"/>
+            </a:effectRef>
+            <a:fontRef idx="minor">
+              <a:schemeClr val="lt1"/>
+            </a:fontRef>
+          </p:style>
+          <p:txBody>
+            <a:bodyPr rtlCol="0" anchor="ctr"/>
+            <a:lstStyle/>
+            <a:p>
+              <a:pPr algn="ctr"/>
+              <a:endParaRPr lang="fr-FR"/>
+            </a:p>
+          </p:txBody>
+        </p:sp>
+        <p:sp>
+          <p:nvSpPr>
+            <p:cNvPr id="2" name="Ellipse 1">
+              <a:extLst>
+                <a:ext uri="{FF2B5EF4-FFF2-40B4-BE49-F238E27FC236}">
+                  <a16:creationId xmlns:a16="http://schemas.microsoft.com/office/drawing/2014/main" id="{FA9A1366-6238-4FBF-9233-AF16D974B459}"/>
+                </a:ext>
+              </a:extLst>
+            </p:cNvPr>
+            <p:cNvSpPr/>
+            <p:nvPr/>
+          </p:nvSpPr>
+          <p:spPr>
+            <a:xfrm>
+              <a:off x="2267744" y="3530682"/>
+              <a:ext cx="216018" cy="216000"/>
+            </a:xfrm>
+            <a:prstGeom prst="ellipse">
+              <a:avLst/>
+            </a:prstGeom>
+            <a:noFill/>
+            <a:ln w="19050">
+              <a:solidFill>
+                <a:srgbClr val="C00000"/>
+              </a:solidFill>
+            </a:ln>
+          </p:spPr>
+          <p:style>
+            <a:lnRef idx="2">
+              <a:schemeClr val="accent1">
+                <a:shade val="50000"/>
+              </a:schemeClr>
+            </a:lnRef>
+            <a:fillRef idx="1">
+              <a:schemeClr val="accent1"/>
+            </a:fillRef>
+            <a:effectRef idx="0">
+              <a:schemeClr val="accent1"/>
+            </a:effectRef>
+            <a:fontRef idx="minor">
+              <a:schemeClr val="lt1"/>
+            </a:fontRef>
+          </p:style>
+          <p:txBody>
+            <a:bodyPr lIns="0" tIns="0" rIns="0" bIns="0" rtlCol="0" anchor="ctr"/>
+            <a:lstStyle/>
+            <a:p>
+              <a:pPr algn="ctr"/>
+              <a:r>
+                <a:rPr lang="fr-FR" sz="1000" b="1" dirty="0">
+                  <a:solidFill>
+                    <a:sysClr val="windowText" lastClr="000000"/>
+                  </a:solidFill>
+                </a:rPr>
+                <a:t>0</a:t>
+              </a:r>
+            </a:p>
+          </p:txBody>
+        </p:sp>
+        <p:cxnSp>
+          <p:nvCxnSpPr>
+            <p:cNvPr id="11" name="Connecteur droit 10">
+              <a:extLst>
+                <a:ext uri="{FF2B5EF4-FFF2-40B4-BE49-F238E27FC236}">
+                  <a16:creationId xmlns:a16="http://schemas.microsoft.com/office/drawing/2014/main" id="{8679B70B-8659-4343-B1C5-5425D08C3A8E}"/>
+                </a:ext>
+              </a:extLst>
+            </p:cNvPr>
+            <p:cNvCxnSpPr>
+              <a:cxnSpLocks/>
+              <a:stCxn id="2" idx="4"/>
+            </p:cNvCxnSpPr>
+            <p:nvPr/>
+          </p:nvCxnSpPr>
+          <p:spPr>
+            <a:xfrm>
+              <a:off x="2375753" y="3746682"/>
+              <a:ext cx="0" cy="114366"/>
+            </a:xfrm>
+            <a:prstGeom prst="line">
+              <a:avLst/>
+            </a:prstGeom>
+            <a:noFill/>
+            <a:ln w="19050">
+              <a:solidFill>
+                <a:srgbClr val="C00000"/>
+              </a:solidFill>
+            </a:ln>
+          </p:spPr>
+          <p:style>
+            <a:lnRef idx="2">
+              <a:schemeClr val="accent1">
+                <a:shade val="50000"/>
+              </a:schemeClr>
+            </a:lnRef>
+            <a:fillRef idx="1">
+              <a:schemeClr val="accent1"/>
+            </a:fillRef>
+            <a:effectRef idx="0">
+              <a:schemeClr val="accent1"/>
+            </a:effectRef>
+            <a:fontRef idx="minor">
+              <a:schemeClr val="lt1"/>
+            </a:fontRef>
+          </p:style>
+        </p:cxnSp>
+        <p:cxnSp>
+          <p:nvCxnSpPr>
+            <p:cNvPr id="67" name="Connecteur droit 66">
+              <a:extLst>
+                <a:ext uri="{FF2B5EF4-FFF2-40B4-BE49-F238E27FC236}">
+                  <a16:creationId xmlns:a16="http://schemas.microsoft.com/office/drawing/2014/main" id="{98B30A4B-5954-47DB-B636-39C2F5F2D1B6}"/>
+                </a:ext>
+              </a:extLst>
+            </p:cNvPr>
+            <p:cNvCxnSpPr>
+              <a:cxnSpLocks/>
+            </p:cNvCxnSpPr>
+            <p:nvPr/>
+          </p:nvCxnSpPr>
+          <p:spPr>
+            <a:xfrm>
+              <a:off x="2195736" y="3861048"/>
+              <a:ext cx="360113" cy="0"/>
+            </a:xfrm>
+            <a:prstGeom prst="line">
+              <a:avLst/>
+            </a:prstGeom>
+            <a:noFill/>
+            <a:ln w="19050">
+              <a:solidFill>
+                <a:srgbClr val="C00000"/>
+              </a:solidFill>
+            </a:ln>
+          </p:spPr>
+          <p:style>
+            <a:lnRef idx="2">
+              <a:schemeClr val="accent1">
+                <a:shade val="50000"/>
+              </a:schemeClr>
+            </a:lnRef>
+            <a:fillRef idx="1">
+              <a:schemeClr val="accent1"/>
+            </a:fillRef>
+            <a:effectRef idx="0">
+              <a:schemeClr val="accent1"/>
+            </a:effectRef>
+            <a:fontRef idx="minor">
+              <a:schemeClr val="lt1"/>
+            </a:fontRef>
+          </p:style>
+        </p:cxnSp>
+      </p:grpSp>
+      <p:sp>
+        <p:nvSpPr>
+          <p:cNvPr id="68" name="Ellipse 67">
+            <a:extLst>
+              <a:ext uri="{FF2B5EF4-FFF2-40B4-BE49-F238E27FC236}">
+                <a16:creationId xmlns:a16="http://schemas.microsoft.com/office/drawing/2014/main" id="{8664C45B-7030-48B3-8D75-5070D37692B8}"/>
+              </a:ext>
+            </a:extLst>
+          </p:cNvPr>
+          <p:cNvSpPr/>
+          <p:nvPr/>
+        </p:nvSpPr>
+        <p:spPr>
+          <a:xfrm>
+            <a:off x="2676187" y="3691793"/>
+            <a:ext cx="216018" cy="216000"/>
+          </a:xfrm>
+          <a:prstGeom prst="ellipse">
+            <a:avLst/>
+          </a:prstGeom>
+          <a:noFill/>
+          <a:ln w="19050">
+            <a:solidFill>
+              <a:srgbClr val="7030A0"/>
+            </a:solidFill>
+          </a:ln>
+        </p:spPr>
+        <p:style>
+          <a:lnRef idx="2">
+            <a:schemeClr val="accent1">
+              <a:shade val="50000"/>
+            </a:schemeClr>
+          </a:lnRef>
+          <a:fillRef idx="1">
+            <a:schemeClr val="accent1"/>
+          </a:fillRef>
+          <a:effectRef idx="0">
+            <a:schemeClr val="accent1"/>
+          </a:effectRef>
+          <a:fontRef idx="minor">
+            <a:schemeClr val="lt1"/>
+          </a:fontRef>
+        </p:style>
+        <p:txBody>
+          <a:bodyPr lIns="0" tIns="0" rIns="0" bIns="0" rtlCol="0" anchor="ctr"/>
+          <a:lstStyle/>
+          <a:p>
+            <a:pPr algn="ctr"/>
+            <a:r>
+              <a:rPr lang="fr-FR" sz="1000" b="1" dirty="0">
+                <a:solidFill>
+                  <a:sysClr val="windowText" lastClr="000000"/>
+                </a:solidFill>
+              </a:rPr>
+              <a:t>1</a:t>
+            </a:r>
+          </a:p>
+        </p:txBody>
+      </p:sp>
+      <p:sp>
+        <p:nvSpPr>
+          <p:cNvPr id="73" name="Ellipse 72">
+            <a:extLst>
+              <a:ext uri="{FF2B5EF4-FFF2-40B4-BE49-F238E27FC236}">
+                <a16:creationId xmlns:a16="http://schemas.microsoft.com/office/drawing/2014/main" id="{FA9962A9-E739-4839-A099-486FE2CA70E5}"/>
+              </a:ext>
+            </a:extLst>
+          </p:cNvPr>
+          <p:cNvSpPr/>
+          <p:nvPr/>
+        </p:nvSpPr>
+        <p:spPr>
+          <a:xfrm>
+            <a:off x="3041032" y="3321000"/>
+            <a:ext cx="216018" cy="216000"/>
+          </a:xfrm>
+          <a:prstGeom prst="ellipse">
+            <a:avLst/>
+          </a:prstGeom>
+          <a:noFill/>
+          <a:ln w="19050">
+            <a:solidFill>
+              <a:srgbClr val="0070C0"/>
+            </a:solidFill>
+          </a:ln>
+        </p:spPr>
+        <p:style>
+          <a:lnRef idx="2">
+            <a:schemeClr val="accent1">
+              <a:shade val="50000"/>
+            </a:schemeClr>
+          </a:lnRef>
+          <a:fillRef idx="1">
+            <a:schemeClr val="accent1"/>
+          </a:fillRef>
+          <a:effectRef idx="0">
+            <a:schemeClr val="accent1"/>
+          </a:effectRef>
+          <a:fontRef idx="minor">
+            <a:schemeClr val="lt1"/>
+          </a:fontRef>
+        </p:style>
+        <p:txBody>
+          <a:bodyPr lIns="0" tIns="0" rIns="0" bIns="0" rtlCol="0" anchor="ctr"/>
+          <a:lstStyle/>
+          <a:p>
+            <a:pPr algn="ctr"/>
+            <a:r>
+              <a:rPr lang="fr-FR" sz="1000" b="1" dirty="0">
+                <a:solidFill>
+                  <a:sysClr val="windowText" lastClr="000000"/>
+                </a:solidFill>
+              </a:rPr>
+              <a:t>3</a:t>
+            </a:r>
+          </a:p>
+        </p:txBody>
+      </p:sp>
+      <p:sp>
+        <p:nvSpPr>
+          <p:cNvPr id="74" name="Ellipse 73">
+            <a:extLst>
+              <a:ext uri="{FF2B5EF4-FFF2-40B4-BE49-F238E27FC236}">
+                <a16:creationId xmlns:a16="http://schemas.microsoft.com/office/drawing/2014/main" id="{D2916613-B459-4177-A3CE-50DBE6B13F6D}"/>
+              </a:ext>
+            </a:extLst>
+          </p:cNvPr>
+          <p:cNvSpPr/>
+          <p:nvPr/>
+        </p:nvSpPr>
+        <p:spPr>
+          <a:xfrm>
+            <a:off x="3405759" y="3691793"/>
+            <a:ext cx="216018" cy="216000"/>
+          </a:xfrm>
+          <a:prstGeom prst="ellipse">
+            <a:avLst/>
+          </a:prstGeom>
+          <a:noFill/>
+          <a:ln w="19050">
+            <a:solidFill>
+              <a:srgbClr val="00B050"/>
+            </a:solidFill>
+          </a:ln>
+        </p:spPr>
+        <p:style>
+          <a:lnRef idx="2">
+            <a:schemeClr val="accent1">
+              <a:shade val="50000"/>
+            </a:schemeClr>
+          </a:lnRef>
+          <a:fillRef idx="1">
+            <a:schemeClr val="accent1"/>
+          </a:fillRef>
+          <a:effectRef idx="0">
+            <a:schemeClr val="accent1"/>
+          </a:effectRef>
+          <a:fontRef idx="minor">
+            <a:schemeClr val="lt1"/>
+          </a:fontRef>
+        </p:style>
+        <p:txBody>
+          <a:bodyPr lIns="0" tIns="0" rIns="0" bIns="0" rtlCol="0" anchor="ctr"/>
+          <a:lstStyle/>
+          <a:p>
+            <a:pPr algn="ctr"/>
+            <a:r>
+              <a:rPr lang="fr-FR" sz="1000" b="1" dirty="0">
+                <a:solidFill>
+                  <a:sysClr val="windowText" lastClr="000000"/>
+                </a:solidFill>
+              </a:rPr>
+              <a:t>2</a:t>
+            </a:r>
+          </a:p>
+        </p:txBody>
+      </p:sp>
+      <p:cxnSp>
+        <p:nvCxnSpPr>
+          <p:cNvPr id="37" name="Connecteur droit 36">
+            <a:extLst>
+              <a:ext uri="{FF2B5EF4-FFF2-40B4-BE49-F238E27FC236}">
+                <a16:creationId xmlns:a16="http://schemas.microsoft.com/office/drawing/2014/main" id="{A3985F1C-E83A-4B73-8D3D-21F08E7F822B}"/>
+              </a:ext>
+            </a:extLst>
+          </p:cNvPr>
+          <p:cNvCxnSpPr>
+            <a:cxnSpLocks/>
+            <a:stCxn id="73" idx="3"/>
+            <a:endCxn id="68" idx="7"/>
+          </p:cNvCxnSpPr>
+          <p:nvPr/>
+        </p:nvCxnSpPr>
+        <p:spPr>
+          <a:xfrm flipH="1">
+            <a:off x="2860570" y="3505368"/>
+            <a:ext cx="212097" cy="218057"/>
+          </a:xfrm>
+          <a:prstGeom prst="line">
+            <a:avLst/>
+          </a:prstGeom>
+          <a:ln>
+            <a:solidFill>
+              <a:schemeClr val="tx1"/>
+            </a:solidFill>
+          </a:ln>
+        </p:spPr>
+        <p:style>
+          <a:lnRef idx="1">
+            <a:schemeClr val="accent1"/>
+          </a:lnRef>
+          <a:fillRef idx="0">
+            <a:schemeClr val="accent1"/>
+          </a:fillRef>
+          <a:effectRef idx="0">
+            <a:schemeClr val="accent1"/>
+          </a:effectRef>
+          <a:fontRef idx="minor">
+            <a:schemeClr val="tx1"/>
+          </a:fontRef>
+        </p:style>
+      </p:cxnSp>
+      <p:cxnSp>
+        <p:nvCxnSpPr>
+          <p:cNvPr id="77" name="Connecteur droit 76">
+            <a:extLst>
+              <a:ext uri="{FF2B5EF4-FFF2-40B4-BE49-F238E27FC236}">
+                <a16:creationId xmlns:a16="http://schemas.microsoft.com/office/drawing/2014/main" id="{E63A9B13-8BE0-4EEC-B24D-19A516397168}"/>
+              </a:ext>
+            </a:extLst>
+          </p:cNvPr>
+          <p:cNvCxnSpPr>
+            <a:cxnSpLocks/>
+            <a:stCxn id="2" idx="1"/>
+            <a:endCxn id="68" idx="5"/>
+          </p:cNvCxnSpPr>
+          <p:nvPr/>
+        </p:nvCxnSpPr>
+        <p:spPr>
+          <a:xfrm flipH="1" flipV="1">
+            <a:off x="2860570" y="3876161"/>
+            <a:ext cx="212929" cy="225240"/>
+          </a:xfrm>
+          <a:prstGeom prst="line">
+            <a:avLst/>
+          </a:prstGeom>
+          <a:ln>
+            <a:solidFill>
+              <a:schemeClr val="tx1"/>
+            </a:solidFill>
+          </a:ln>
+        </p:spPr>
+        <p:style>
+          <a:lnRef idx="1">
+            <a:schemeClr val="accent1"/>
+          </a:lnRef>
+          <a:fillRef idx="0">
+            <a:schemeClr val="accent1"/>
+          </a:fillRef>
+          <a:effectRef idx="0">
+            <a:schemeClr val="accent1"/>
+          </a:effectRef>
+          <a:fontRef idx="minor">
+            <a:schemeClr val="tx1"/>
+          </a:fontRef>
+        </p:style>
+      </p:cxnSp>
+      <p:cxnSp>
+        <p:nvCxnSpPr>
+          <p:cNvPr id="83" name="Connecteur droit 82">
+            <a:extLst>
+              <a:ext uri="{FF2B5EF4-FFF2-40B4-BE49-F238E27FC236}">
+                <a16:creationId xmlns:a16="http://schemas.microsoft.com/office/drawing/2014/main" id="{6AB03DDB-0903-4092-A890-55B8E44E2940}"/>
+              </a:ext>
+            </a:extLst>
+          </p:cNvPr>
+          <p:cNvCxnSpPr>
+            <a:cxnSpLocks/>
+            <a:stCxn id="2" idx="7"/>
+            <a:endCxn id="74" idx="3"/>
+          </p:cNvCxnSpPr>
+          <p:nvPr/>
+        </p:nvCxnSpPr>
+        <p:spPr>
+          <a:xfrm flipV="1">
+            <a:off x="3226247" y="3876161"/>
+            <a:ext cx="211147" cy="225240"/>
+          </a:xfrm>
+          <a:prstGeom prst="line">
+            <a:avLst/>
+          </a:prstGeom>
+          <a:ln>
+            <a:solidFill>
+              <a:schemeClr val="tx1"/>
+            </a:solidFill>
+          </a:ln>
+        </p:spPr>
+        <p:style>
+          <a:lnRef idx="1">
+            <a:schemeClr val="accent1"/>
+          </a:lnRef>
+          <a:fillRef idx="0">
+            <a:schemeClr val="accent1"/>
+          </a:fillRef>
+          <a:effectRef idx="0">
+            <a:schemeClr val="accent1"/>
+          </a:effectRef>
+          <a:fontRef idx="minor">
+            <a:schemeClr val="tx1"/>
+          </a:fontRef>
+        </p:style>
+      </p:cxnSp>
+      <p:cxnSp>
+        <p:nvCxnSpPr>
+          <p:cNvPr id="86" name="Connecteur droit 85">
+            <a:extLst>
+              <a:ext uri="{FF2B5EF4-FFF2-40B4-BE49-F238E27FC236}">
+                <a16:creationId xmlns:a16="http://schemas.microsoft.com/office/drawing/2014/main" id="{AF763CE7-5C0E-4197-A41A-82C230583A86}"/>
+              </a:ext>
+            </a:extLst>
+          </p:cNvPr>
+          <p:cNvCxnSpPr>
+            <a:cxnSpLocks/>
+            <a:stCxn id="74" idx="1"/>
+            <a:endCxn id="73" idx="5"/>
+          </p:cNvCxnSpPr>
+          <p:nvPr/>
+        </p:nvCxnSpPr>
+        <p:spPr>
+          <a:xfrm flipH="1" flipV="1">
+            <a:off x="3225415" y="3505368"/>
+            <a:ext cx="211979" cy="218057"/>
+          </a:xfrm>
+          <a:prstGeom prst="line">
+            <a:avLst/>
+          </a:prstGeom>
+          <a:ln>
+            <a:solidFill>
+              <a:schemeClr val="tx1"/>
+            </a:solidFill>
+          </a:ln>
+        </p:spPr>
+        <p:style>
+          <a:lnRef idx="1">
+            <a:schemeClr val="accent1"/>
+          </a:lnRef>
+          <a:fillRef idx="0">
+            <a:schemeClr val="accent1"/>
+          </a:fillRef>
+          <a:effectRef idx="0">
+            <a:schemeClr val="accent1"/>
+          </a:effectRef>
+          <a:fontRef idx="minor">
+            <a:schemeClr val="tx1"/>
+          </a:fontRef>
+        </p:style>
+      </p:cxnSp>
+      <p:sp>
+        <p:nvSpPr>
+          <p:cNvPr id="59" name="Éclair 58">
+            <a:extLst>
+              <a:ext uri="{FF2B5EF4-FFF2-40B4-BE49-F238E27FC236}">
+                <a16:creationId xmlns:a16="http://schemas.microsoft.com/office/drawing/2014/main" id="{0E188274-E340-4F5D-994A-EC4C41A0FF2F}"/>
+              </a:ext>
+            </a:extLst>
+          </p:cNvPr>
+          <p:cNvSpPr/>
+          <p:nvPr/>
+        </p:nvSpPr>
+        <p:spPr>
+          <a:xfrm rot="17843453">
+            <a:off x="2775343" y="4145537"/>
+            <a:ext cx="215768" cy="215768"/>
+          </a:xfrm>
+          <a:prstGeom prst="lightningBolt">
+            <a:avLst/>
+          </a:prstGeom>
+          <a:solidFill>
+            <a:schemeClr val="accent2">
+              <a:lumMod val="20000"/>
+              <a:lumOff val="80000"/>
+            </a:schemeClr>
+          </a:solidFill>
+          <a:ln w="12700">
+            <a:solidFill>
+              <a:srgbClr val="FF0000"/>
+            </a:solidFill>
+          </a:ln>
+        </p:spPr>
+        <p:style>
+          <a:lnRef idx="2">
+            <a:schemeClr val="accent1">
+              <a:shade val="50000"/>
+            </a:schemeClr>
+          </a:lnRef>
+          <a:fillRef idx="1">
+            <a:schemeClr val="accent1"/>
+          </a:fillRef>
+          <a:effectRef idx="0">
+            <a:schemeClr val="accent1"/>
+          </a:effectRef>
+          <a:fontRef idx="minor">
+            <a:schemeClr val="lt1"/>
+          </a:fontRef>
+        </p:style>
+        <p:txBody>
+          <a:bodyPr rtlCol="0" anchor="ctr"/>
+          <a:lstStyle/>
+          <a:p>
+            <a:pPr algn="ctr"/>
+            <a:endParaRPr lang="fr-FR"/>
+          </a:p>
+        </p:txBody>
+      </p:sp>
+      <p:sp>
+        <p:nvSpPr>
+          <p:cNvPr id="98" name="Éclair 97">
+            <a:extLst>
+              <a:ext uri="{FF2B5EF4-FFF2-40B4-BE49-F238E27FC236}">
+                <a16:creationId xmlns:a16="http://schemas.microsoft.com/office/drawing/2014/main" id="{E5C4E5AE-F085-47C0-93A1-D86B7C26C7C7}"/>
+              </a:ext>
+            </a:extLst>
+          </p:cNvPr>
+          <p:cNvSpPr/>
+          <p:nvPr/>
+        </p:nvSpPr>
+        <p:spPr>
+          <a:xfrm rot="9282478" flipH="1">
+            <a:off x="2593819" y="3961884"/>
+            <a:ext cx="215768" cy="215768"/>
+          </a:xfrm>
+          <a:prstGeom prst="lightningBolt">
+            <a:avLst/>
+          </a:prstGeom>
+          <a:solidFill>
+            <a:schemeClr val="accent2">
+              <a:lumMod val="20000"/>
+              <a:lumOff val="80000"/>
+            </a:schemeClr>
+          </a:solidFill>
+          <a:ln w="12700">
+            <a:solidFill>
+              <a:srgbClr val="FF0000"/>
+            </a:solidFill>
+          </a:ln>
+        </p:spPr>
+        <p:style>
+          <a:lnRef idx="2">
+            <a:schemeClr val="accent1">
+              <a:shade val="50000"/>
+            </a:schemeClr>
+          </a:lnRef>
+          <a:fillRef idx="1">
+            <a:schemeClr val="accent1"/>
+          </a:fillRef>
+          <a:effectRef idx="0">
+            <a:schemeClr val="accent1"/>
+          </a:effectRef>
+          <a:fontRef idx="minor">
+            <a:schemeClr val="lt1"/>
+          </a:fontRef>
+        </p:style>
+        <p:txBody>
+          <a:bodyPr rtlCol="0" anchor="ctr"/>
+          <a:lstStyle/>
+          <a:p>
+            <a:pPr algn="ctr"/>
+            <a:endParaRPr lang="fr-FR"/>
+          </a:p>
+        </p:txBody>
+      </p:sp>
+      <mc:AlternateContent xmlns:mc="http://schemas.openxmlformats.org/markup-compatibility/2006">
+        <mc:Choice xmlns:a14="http://schemas.microsoft.com/office/drawing/2010/main" Requires="a14">
+          <p:sp>
+            <p:nvSpPr>
+              <p:cNvPr id="76" name="ZoneTexte 75">
+                <a:extLst>
+                  <a:ext uri="{FF2B5EF4-FFF2-40B4-BE49-F238E27FC236}">
+                    <a16:creationId xmlns:a16="http://schemas.microsoft.com/office/drawing/2014/main" id="{C6F1DA93-41CC-42D4-8C5A-7255CBBA9176}"/>
+                  </a:ext>
+                </a:extLst>
+              </p:cNvPr>
+              <p:cNvSpPr txBox="1"/>
+              <p:nvPr/>
+            </p:nvSpPr>
+            <p:spPr>
+              <a:xfrm>
+                <a:off x="2388374" y="4069768"/>
+                <a:ext cx="231730" cy="208262"/>
+              </a:xfrm>
+              <a:prstGeom prst="rect">
+                <a:avLst/>
+              </a:prstGeom>
+              <a:noFill/>
+            </p:spPr>
+            <p:txBody>
+              <a:bodyPr wrap="none" lIns="0" tIns="0" rIns="0" bIns="0" rtlCol="0">
+                <a:spAutoFit/>
+              </a:bodyPr>
+              <a:lstStyle/>
+              <a:p>
+                <a14:m>
+                  <m:oMathPara xmlns:m="http://schemas.openxmlformats.org/officeDocument/2006/math">
+                    <m:oMathParaPr>
+                      <m:jc m:val="centerGroup"/>
+                    </m:oMathParaPr>
+                    <m:oMath xmlns:m="http://schemas.openxmlformats.org/officeDocument/2006/math">
+                      <m:acc>
+                        <m:accPr>
+                          <m:chr m:val="⃗"/>
+                          <m:ctrlPr>
+                            <a:rPr lang="fr-FR" sz="1200" b="0" i="1" smtClean="0">
+                              <a:latin typeface="Cambria Math" panose="02040503050406030204" pitchFamily="18" charset="0"/>
+                            </a:rPr>
+                          </m:ctrlPr>
+                        </m:accPr>
+                        <m:e>
+                          <m:sSub>
+                            <m:sSubPr>
+                              <m:ctrlPr>
+                                <a:rPr lang="fr-FR" sz="1200" i="1">
+                                  <a:latin typeface="Cambria Math" panose="02040503050406030204" pitchFamily="18" charset="0"/>
+                                </a:rPr>
+                              </m:ctrlPr>
+                            </m:sSubPr>
+                            <m:e>
+                              <m:r>
+                                <a:rPr lang="fr-FR" sz="1200" i="1">
+                                  <a:latin typeface="Cambria Math" panose="02040503050406030204" pitchFamily="18" charset="0"/>
+                                </a:rPr>
+                                <m:t>𝐶</m:t>
+                              </m:r>
+                            </m:e>
+                            <m:sub>
+                              <m:r>
+                                <a:rPr lang="fr-FR" sz="1200" i="1">
+                                  <a:latin typeface="Cambria Math" panose="02040503050406030204" pitchFamily="18" charset="0"/>
+                                </a:rPr>
+                                <m:t>𝑚</m:t>
+                              </m:r>
+                            </m:sub>
+                          </m:sSub>
+                        </m:e>
+                      </m:acc>
+                    </m:oMath>
+                  </m:oMathPara>
+                </a14:m>
+                <a:endParaRPr lang="fr-FR" sz="1200" dirty="0"/>
+              </a:p>
+            </p:txBody>
+          </p:sp>
+        </mc:Choice>
+        <mc:Fallback>
+          <p:sp>
+            <p:nvSpPr>
+              <p:cNvPr id="76" name="ZoneTexte 75">
+                <a:extLst>
+                  <a:ext uri="{FF2B5EF4-FFF2-40B4-BE49-F238E27FC236}">
+                    <a16:creationId xmlns:a16="http://schemas.microsoft.com/office/drawing/2014/main" id="{C6F1DA93-41CC-42D4-8C5A-7255CBBA9176}"/>
+                  </a:ext>
+                </a:extLst>
+              </p:cNvPr>
+              <p:cNvSpPr txBox="1">
+                <a:spLocks noRot="1" noChangeAspect="1" noMove="1" noResize="1" noEditPoints="1" noAdjustHandles="1" noChangeArrowheads="1" noChangeShapeType="1" noTextEdit="1"/>
+              </p:cNvSpPr>
+              <p:nvPr/>
+            </p:nvSpPr>
+            <p:spPr>
+              <a:xfrm>
+                <a:off x="2388374" y="4069768"/>
+                <a:ext cx="231730" cy="208262"/>
+              </a:xfrm>
+              <a:prstGeom prst="rect">
+                <a:avLst/>
+              </a:prstGeom>
+              <a:blipFill>
+                <a:blip r:embed="rId22"/>
+                <a:stretch>
+                  <a:fillRect l="-15789" r="-2632" b="-8824"/>
+                </a:stretch>
+              </a:blipFill>
+            </p:spPr>
+            <p:txBody>
+              <a:bodyPr/>
+              <a:lstStyle/>
+              <a:p>
+                <a:r>
+                  <a:rPr lang="fr-FR">
+                    <a:noFill/>
+                  </a:rPr>
+                  <a:t> </a:t>
+                </a:r>
+              </a:p>
+            </p:txBody>
+          </p:sp>
+        </mc:Fallback>
+      </mc:AlternateContent>
+      <mc:AlternateContent xmlns:mc="http://schemas.openxmlformats.org/markup-compatibility/2006">
+        <mc:Choice xmlns:a14="http://schemas.microsoft.com/office/drawing/2010/main" Requires="a14">
+          <p:sp>
+            <p:nvSpPr>
+              <p:cNvPr id="99" name="ZoneTexte 98">
+                <a:extLst>
+                  <a:ext uri="{FF2B5EF4-FFF2-40B4-BE49-F238E27FC236}">
+                    <a16:creationId xmlns:a16="http://schemas.microsoft.com/office/drawing/2014/main" id="{128FB03E-B355-4E4B-AE69-D6779D8BEC33}"/>
+                  </a:ext>
+                </a:extLst>
+              </p:cNvPr>
+              <p:cNvSpPr txBox="1"/>
+              <p:nvPr/>
+            </p:nvSpPr>
+            <p:spPr>
+              <a:xfrm>
+                <a:off x="2487409" y="4317533"/>
+                <a:ext cx="347146" cy="208262"/>
+              </a:xfrm>
+              <a:prstGeom prst="rect">
+                <a:avLst/>
+              </a:prstGeom>
+              <a:noFill/>
+            </p:spPr>
+            <p:txBody>
+              <a:bodyPr wrap="none" lIns="0" tIns="0" rIns="0" bIns="0" rtlCol="0">
+                <a:spAutoFit/>
+              </a:bodyPr>
+              <a:lstStyle/>
+              <a:p>
+                <a14:m>
+                  <m:oMathPara xmlns:m="http://schemas.openxmlformats.org/officeDocument/2006/math">
+                    <m:oMathParaPr>
+                      <m:jc m:val="centerGroup"/>
+                    </m:oMathParaPr>
+                    <m:oMath xmlns:m="http://schemas.openxmlformats.org/officeDocument/2006/math">
+                      <m:r>
+                        <a:rPr lang="fr-FR" sz="1200" b="0" i="1" smtClean="0">
+                          <a:latin typeface="Cambria Math" panose="02040503050406030204" pitchFamily="18" charset="0"/>
+                        </a:rPr>
+                        <m:t>−</m:t>
+                      </m:r>
+                      <m:acc>
+                        <m:accPr>
+                          <m:chr m:val="⃗"/>
+                          <m:ctrlPr>
+                            <a:rPr lang="fr-FR" sz="1200" b="0" i="1" smtClean="0">
+                              <a:latin typeface="Cambria Math" panose="02040503050406030204" pitchFamily="18" charset="0"/>
+                            </a:rPr>
+                          </m:ctrlPr>
+                        </m:accPr>
+                        <m:e>
+                          <m:sSub>
+                            <m:sSubPr>
+                              <m:ctrlPr>
+                                <a:rPr lang="fr-FR" sz="1200" i="1">
+                                  <a:latin typeface="Cambria Math" panose="02040503050406030204" pitchFamily="18" charset="0"/>
+                                </a:rPr>
+                              </m:ctrlPr>
+                            </m:sSubPr>
+                            <m:e>
+                              <m:r>
+                                <a:rPr lang="fr-FR" sz="1200" i="1">
+                                  <a:latin typeface="Cambria Math" panose="02040503050406030204" pitchFamily="18" charset="0"/>
+                                </a:rPr>
+                                <m:t>𝐶</m:t>
+                              </m:r>
+                            </m:e>
+                            <m:sub>
+                              <m:r>
+                                <a:rPr lang="fr-FR" sz="1200" i="1">
+                                  <a:latin typeface="Cambria Math" panose="02040503050406030204" pitchFamily="18" charset="0"/>
+                                </a:rPr>
+                                <m:t>𝑚</m:t>
+                              </m:r>
+                            </m:sub>
+                          </m:sSub>
+                        </m:e>
+                      </m:acc>
+                    </m:oMath>
+                  </m:oMathPara>
+                </a14:m>
+                <a:endParaRPr lang="fr-FR" sz="1200" dirty="0"/>
+              </a:p>
+            </p:txBody>
+          </p:sp>
+        </mc:Choice>
+        <mc:Fallback>
+          <p:sp>
+            <p:nvSpPr>
+              <p:cNvPr id="99" name="ZoneTexte 98">
+                <a:extLst>
+                  <a:ext uri="{FF2B5EF4-FFF2-40B4-BE49-F238E27FC236}">
+                    <a16:creationId xmlns:a16="http://schemas.microsoft.com/office/drawing/2014/main" id="{128FB03E-B355-4E4B-AE69-D6779D8BEC33}"/>
+                  </a:ext>
+                </a:extLst>
+              </p:cNvPr>
+              <p:cNvSpPr txBox="1">
+                <a:spLocks noRot="1" noChangeAspect="1" noMove="1" noResize="1" noEditPoints="1" noAdjustHandles="1" noChangeArrowheads="1" noChangeShapeType="1" noTextEdit="1"/>
+              </p:cNvSpPr>
+              <p:nvPr/>
+            </p:nvSpPr>
+            <p:spPr>
+              <a:xfrm>
+                <a:off x="2487409" y="4317533"/>
+                <a:ext cx="347146" cy="208262"/>
+              </a:xfrm>
+              <a:prstGeom prst="rect">
+                <a:avLst/>
+              </a:prstGeom>
+              <a:blipFill>
+                <a:blip r:embed="rId23"/>
+                <a:stretch>
+                  <a:fillRect l="-1754" r="-1754" b="-8824"/>
+                </a:stretch>
+              </a:blipFill>
+            </p:spPr>
+            <p:txBody>
+              <a:bodyPr/>
+              <a:lstStyle/>
+              <a:p>
+                <a:r>
+                  <a:rPr lang="fr-FR">
+                    <a:noFill/>
+                  </a:rPr>
+                  <a:t> </a:t>
+                </a:r>
+              </a:p>
+            </p:txBody>
+          </p:sp>
+        </mc:Fallback>
+      </mc:AlternateContent>
+      <p:sp>
+        <p:nvSpPr>
+          <p:cNvPr id="100" name="Éclair 99">
+            <a:extLst>
+              <a:ext uri="{FF2B5EF4-FFF2-40B4-BE49-F238E27FC236}">
+                <a16:creationId xmlns:a16="http://schemas.microsoft.com/office/drawing/2014/main" id="{DE22CFCA-086F-4606-AEB4-F337DDE43614}"/>
+              </a:ext>
+            </a:extLst>
+          </p:cNvPr>
+          <p:cNvSpPr/>
+          <p:nvPr/>
+        </p:nvSpPr>
+        <p:spPr>
+          <a:xfrm rot="6488157">
+            <a:off x="3287367" y="3143951"/>
+            <a:ext cx="215768" cy="215768"/>
+          </a:xfrm>
+          <a:prstGeom prst="lightningBolt">
+            <a:avLst/>
+          </a:prstGeom>
+          <a:solidFill>
+            <a:schemeClr val="accent2">
+              <a:lumMod val="20000"/>
+              <a:lumOff val="80000"/>
+            </a:schemeClr>
+          </a:solidFill>
+          <a:ln w="12700">
+            <a:solidFill>
+              <a:srgbClr val="FF0000"/>
+            </a:solidFill>
+          </a:ln>
+        </p:spPr>
+        <p:style>
+          <a:lnRef idx="2">
+            <a:schemeClr val="accent1">
+              <a:shade val="50000"/>
+            </a:schemeClr>
+          </a:lnRef>
+          <a:fillRef idx="1">
+            <a:schemeClr val="accent1"/>
+          </a:fillRef>
+          <a:effectRef idx="0">
+            <a:schemeClr val="accent1"/>
+          </a:effectRef>
+          <a:fontRef idx="minor">
+            <a:schemeClr val="lt1"/>
+          </a:fontRef>
+        </p:style>
+        <p:txBody>
+          <a:bodyPr rtlCol="0" anchor="ctr"/>
+          <a:lstStyle/>
+          <a:p>
+            <a:pPr algn="ctr"/>
+            <a:endParaRPr lang="fr-FR"/>
+          </a:p>
+        </p:txBody>
+      </p:sp>
+      <mc:AlternateContent xmlns:mc="http://schemas.openxmlformats.org/markup-compatibility/2006">
+        <mc:Choice xmlns:a14="http://schemas.microsoft.com/office/drawing/2010/main" Requires="a14">
+          <p:sp>
+            <p:nvSpPr>
+              <p:cNvPr id="101" name="ZoneTexte 100">
+                <a:extLst>
+                  <a:ext uri="{FF2B5EF4-FFF2-40B4-BE49-F238E27FC236}">
+                    <a16:creationId xmlns:a16="http://schemas.microsoft.com/office/drawing/2014/main" id="{916053EC-FF7C-422F-830F-F3F9C7E18216}"/>
+                  </a:ext>
+                </a:extLst>
+              </p:cNvPr>
+              <p:cNvSpPr txBox="1"/>
+              <p:nvPr/>
+            </p:nvSpPr>
+            <p:spPr>
+              <a:xfrm>
+                <a:off x="3506153" y="3102229"/>
+                <a:ext cx="135871" cy="207108"/>
+              </a:xfrm>
+              <a:prstGeom prst="rect">
+                <a:avLst/>
+              </a:prstGeom>
+              <a:noFill/>
+            </p:spPr>
+            <p:txBody>
+              <a:bodyPr wrap="none" lIns="0" tIns="0" rIns="0" bIns="0" rtlCol="0">
+                <a:spAutoFit/>
+              </a:bodyPr>
+              <a:lstStyle/>
+              <a:p>
+                <a14:m>
+                  <m:oMathPara xmlns:m="http://schemas.openxmlformats.org/officeDocument/2006/math">
+                    <m:oMathParaPr>
+                      <m:jc m:val="centerGroup"/>
+                    </m:oMathParaPr>
+                    <m:oMath xmlns:m="http://schemas.openxmlformats.org/officeDocument/2006/math">
+                      <m:acc>
+                        <m:accPr>
+                          <m:chr m:val="⃗"/>
+                          <m:ctrlPr>
+                            <a:rPr lang="fr-FR" sz="1200" b="0" i="1" smtClean="0">
+                              <a:latin typeface="Cambria Math" panose="02040503050406030204" pitchFamily="18" charset="0"/>
+                            </a:rPr>
+                          </m:ctrlPr>
+                        </m:accPr>
+                        <m:e>
+                          <m:r>
+                            <a:rPr lang="fr-FR" sz="1200" b="0" i="1" smtClean="0">
+                              <a:latin typeface="Cambria Math" panose="02040503050406030204" pitchFamily="18" charset="0"/>
+                            </a:rPr>
+                            <m:t>𝐹</m:t>
+                          </m:r>
+                        </m:e>
+                      </m:acc>
+                    </m:oMath>
+                  </m:oMathPara>
+                </a14:m>
+                <a:endParaRPr lang="fr-FR" sz="1200" dirty="0"/>
+              </a:p>
+            </p:txBody>
+          </p:sp>
+        </mc:Choice>
+        <mc:Fallback>
+          <p:sp>
+            <p:nvSpPr>
+              <p:cNvPr id="101" name="ZoneTexte 100">
+                <a:extLst>
+                  <a:ext uri="{FF2B5EF4-FFF2-40B4-BE49-F238E27FC236}">
+                    <a16:creationId xmlns:a16="http://schemas.microsoft.com/office/drawing/2014/main" id="{916053EC-FF7C-422F-830F-F3F9C7E18216}"/>
+                  </a:ext>
+                </a:extLst>
+              </p:cNvPr>
+              <p:cNvSpPr txBox="1">
+                <a:spLocks noRot="1" noChangeAspect="1" noMove="1" noResize="1" noEditPoints="1" noAdjustHandles="1" noChangeArrowheads="1" noChangeShapeType="1" noTextEdit="1"/>
+              </p:cNvSpPr>
+              <p:nvPr/>
+            </p:nvSpPr>
+            <p:spPr>
+              <a:xfrm>
+                <a:off x="3506153" y="3102229"/>
+                <a:ext cx="135871" cy="207108"/>
+              </a:xfrm>
+              <a:prstGeom prst="rect">
+                <a:avLst/>
+              </a:prstGeom>
+              <a:blipFill>
+                <a:blip r:embed="rId24"/>
+                <a:stretch>
+                  <a:fillRect l="-27273" t="-29412" r="-90909" b="-5882"/>
                 </a:stretch>
               </a:blipFill>
             </p:spPr>
